--- a/articles/inside_the_branch/fig.pptx
+++ b/articles/inside_the_branch/fig.pptx
@@ -5,10 +5,11 @@
     <p:sldMasterId id="2147483648" r:id="rId1"/>
   </p:sldMasterIdLst>
   <p:notesMasterIdLst>
-    <p:notesMasterId r:id="rId3"/>
+    <p:notesMasterId r:id="rId4"/>
   </p:notesMasterIdLst>
   <p:sldIdLst>
     <p:sldId id="259" r:id="rId2"/>
+    <p:sldId id="260" r:id="rId3"/>
   </p:sldIdLst>
   <p:sldSz cx="9144000" cy="6858000" type="screen4x3"/>
   <p:notesSz cx="6858000" cy="9144000"/>
@@ -212,7 +213,7 @@
             <a:fld id="{D2C63D3F-0352-EF45-A95C-C8137A1B6577}" type="datetimeFigureOut">
               <a:rPr lang="ja-JP" altLang="en-US" smtClean="0"/>
               <a:pPr/>
-              <a:t>2021/8/31</a:t>
+              <a:t>2021/9/1</a:t>
             </a:fld>
             <a:endParaRPr lang="ja-JP" altLang="en-US"/>
           </a:p>
@@ -1759,6 +1760,2059 @@
     <p:extLst>
       <p:ext uri="{BB962C8B-B14F-4D97-AF65-F5344CB8AC3E}">
         <p14:creationId xmlns:p14="http://schemas.microsoft.com/office/powerpoint/2010/main" val="2551364344"/>
+      </p:ext>
+    </p:extLst>
+  </p:cSld>
+  <p:clrMapOvr>
+    <a:masterClrMapping/>
+  </p:clrMapOvr>
+</p:sld>
+</file>
+
+<file path=ppt/slides/slide2.xml><?xml version="1.0" encoding="utf-8"?>
+<p:sld xmlns:a="http://schemas.openxmlformats.org/drawingml/2006/main" xmlns:r="http://schemas.openxmlformats.org/officeDocument/2006/relationships" xmlns:p="http://schemas.openxmlformats.org/presentationml/2006/main">
+  <p:cSld>
+    <p:spTree>
+      <p:nvGrpSpPr>
+        <p:cNvPr id="1" name=""/>
+        <p:cNvGrpSpPr/>
+        <p:nvPr/>
+      </p:nvGrpSpPr>
+      <p:grpSpPr>
+        <a:xfrm>
+          <a:off x="0" y="0"/>
+          <a:ext cx="0" cy="0"/>
+          <a:chOff x="0" y="0"/>
+          <a:chExt cx="0" cy="0"/>
+        </a:xfrm>
+      </p:grpSpPr>
+      <p:pic>
+        <p:nvPicPr>
+          <p:cNvPr id="2" name="Picture 2" descr="フォルダのイラスト">
+            <a:extLst>
+              <a:ext uri="{FF2B5EF4-FFF2-40B4-BE49-F238E27FC236}">
+                <a16:creationId xmlns:a16="http://schemas.microsoft.com/office/drawing/2014/main" id="{B2DD8741-0181-4ED4-A003-D64332F341CB}"/>
+              </a:ext>
+            </a:extLst>
+          </p:cNvPr>
+          <p:cNvPicPr>
+            <a:picLocks noChangeAspect="1" noChangeArrowheads="1"/>
+          </p:cNvPicPr>
+          <p:nvPr/>
+        </p:nvPicPr>
+        <p:blipFill>
+          <a:blip r:embed="rId2">
+            <a:extLst>
+              <a:ext uri="{28A0092B-C50C-407E-A947-70E740481C1C}">
+                <a14:useLocalDpi xmlns:a14="http://schemas.microsoft.com/office/drawing/2010/main" val="0"/>
+              </a:ext>
+            </a:extLst>
+          </a:blip>
+          <a:srcRect/>
+          <a:stretch>
+            <a:fillRect/>
+          </a:stretch>
+        </p:blipFill>
+        <p:spPr bwMode="auto">
+          <a:xfrm>
+            <a:off x="3851920" y="4365104"/>
+            <a:ext cx="680864" cy="570224"/>
+          </a:xfrm>
+          <a:prstGeom prst="rect">
+            <a:avLst/>
+          </a:prstGeom>
+          <a:noFill/>
+          <a:extLst>
+            <a:ext uri="{909E8E84-426E-40DD-AFC4-6F175D3DCCD1}">
+              <a14:hiddenFill xmlns:a14="http://schemas.microsoft.com/office/drawing/2010/main">
+                <a:solidFill>
+                  <a:srgbClr val="FFFFFF"/>
+                </a:solidFill>
+              </a14:hiddenFill>
+            </a:ext>
+          </a:extLst>
+        </p:spPr>
+      </p:pic>
+      <p:sp>
+        <p:nvSpPr>
+          <p:cNvPr id="3" name="テキスト ボックス 2">
+            <a:extLst>
+              <a:ext uri="{FF2B5EF4-FFF2-40B4-BE49-F238E27FC236}">
+                <a16:creationId xmlns:a16="http://schemas.microsoft.com/office/drawing/2014/main" id="{7A048A27-5058-43AE-97B1-763A9A1CF941}"/>
+              </a:ext>
+            </a:extLst>
+          </p:cNvPr>
+          <p:cNvSpPr txBox="1"/>
+          <p:nvPr/>
+        </p:nvSpPr>
+        <p:spPr>
+          <a:xfrm>
+            <a:off x="3779912" y="4941168"/>
+            <a:ext cx="691215" cy="369332"/>
+          </a:xfrm>
+          <a:prstGeom prst="rect">
+            <a:avLst/>
+          </a:prstGeom>
+          <a:noFill/>
+        </p:spPr>
+        <p:txBody>
+          <a:bodyPr wrap="none" rtlCol="0">
+            <a:spAutoFit/>
+          </a:bodyPr>
+          <a:lstStyle/>
+          <a:p>
+            <a:r>
+              <a:rPr kumimoji="1" lang="en-US" altLang="ja-JP">
+                <a:latin typeface="Consolas" panose="020B0609020204030204" pitchFamily="49" charset="0"/>
+              </a:rPr>
+              <a:t>.git</a:t>
+            </a:r>
+            <a:endParaRPr kumimoji="1" lang="ja-JP" altLang="en-US" dirty="0">
+              <a:latin typeface="Consolas" panose="020B0609020204030204" pitchFamily="49" charset="0"/>
+            </a:endParaRPr>
+          </a:p>
+        </p:txBody>
+      </p:sp>
+      <p:sp>
+        <p:nvSpPr>
+          <p:cNvPr id="4" name="楕円 3">
+            <a:extLst>
+              <a:ext uri="{FF2B5EF4-FFF2-40B4-BE49-F238E27FC236}">
+                <a16:creationId xmlns:a16="http://schemas.microsoft.com/office/drawing/2014/main" id="{8ED3FAE1-ECBA-4460-8D80-F47AA3A50226}"/>
+              </a:ext>
+            </a:extLst>
+          </p:cNvPr>
+          <p:cNvSpPr/>
+          <p:nvPr/>
+        </p:nvSpPr>
+        <p:spPr>
+          <a:xfrm>
+            <a:off x="866800" y="5157192"/>
+            <a:ext cx="432048" cy="432048"/>
+          </a:xfrm>
+          <a:prstGeom prst="ellipse">
+            <a:avLst/>
+          </a:prstGeom>
+          <a:solidFill>
+            <a:srgbClr val="0070C0"/>
+          </a:solidFill>
+          <a:ln>
+            <a:solidFill>
+              <a:schemeClr val="tx1"/>
+            </a:solidFill>
+          </a:ln>
+        </p:spPr>
+        <p:txBody>
+          <a:bodyPr wrap="square" rtlCol="0" anchor="ctr">
+            <a:spAutoFit/>
+          </a:bodyPr>
+          <a:lstStyle/>
+          <a:p>
+            <a:pPr algn="ctr"/>
+            <a:endParaRPr kumimoji="1" lang="ja-JP" altLang="en-US" sz="2400" dirty="0"/>
+          </a:p>
+        </p:txBody>
+      </p:sp>
+      <p:sp>
+        <p:nvSpPr>
+          <p:cNvPr id="5" name="四角形: 1 つの角を切り取り 1 つの角を丸める 4">
+            <a:extLst>
+              <a:ext uri="{FF2B5EF4-FFF2-40B4-BE49-F238E27FC236}">
+                <a16:creationId xmlns:a16="http://schemas.microsoft.com/office/drawing/2014/main" id="{BA2D9560-C73A-4C7B-A6CF-670AF1E51EA9}"/>
+              </a:ext>
+            </a:extLst>
+          </p:cNvPr>
+          <p:cNvSpPr/>
+          <p:nvPr/>
+        </p:nvSpPr>
+        <p:spPr>
+          <a:xfrm>
+            <a:off x="434752" y="4221088"/>
+            <a:ext cx="1296144" cy="483989"/>
+          </a:xfrm>
+          <a:prstGeom prst="snipRoundRect">
+            <a:avLst/>
+          </a:prstGeom>
+          <a:solidFill>
+            <a:schemeClr val="accent3">
+              <a:lumMod val="20000"/>
+              <a:lumOff val="80000"/>
+            </a:schemeClr>
+          </a:solidFill>
+          <a:ln>
+            <a:solidFill>
+              <a:schemeClr val="tx1"/>
+            </a:solidFill>
+          </a:ln>
+        </p:spPr>
+        <p:txBody>
+          <a:bodyPr wrap="square" rtlCol="0" anchor="ctr">
+            <a:spAutoFit/>
+          </a:bodyPr>
+          <a:lstStyle/>
+          <a:p>
+            <a:pPr algn="ctr"/>
+            <a:r>
+              <a:rPr kumimoji="1" lang="en-US" altLang="ja-JP" sz="2400"/>
+              <a:t>master</a:t>
+            </a:r>
+            <a:endParaRPr kumimoji="1" lang="ja-JP" altLang="en-US" sz="2400" dirty="0"/>
+          </a:p>
+        </p:txBody>
+      </p:sp>
+      <p:cxnSp>
+        <p:nvCxnSpPr>
+          <p:cNvPr id="6" name="直線矢印コネクタ 5">
+            <a:extLst>
+              <a:ext uri="{FF2B5EF4-FFF2-40B4-BE49-F238E27FC236}">
+                <a16:creationId xmlns:a16="http://schemas.microsoft.com/office/drawing/2014/main" id="{B202C683-2BDE-46E5-A756-BD01B95FB621}"/>
+              </a:ext>
+            </a:extLst>
+          </p:cNvPr>
+          <p:cNvCxnSpPr>
+            <a:stCxn id="5" idx="1"/>
+            <a:endCxn id="4" idx="0"/>
+          </p:cNvCxnSpPr>
+          <p:nvPr/>
+        </p:nvCxnSpPr>
+        <p:spPr>
+          <a:xfrm>
+            <a:off x="1082824" y="4705077"/>
+            <a:ext cx="0" cy="452115"/>
+          </a:xfrm>
+          <a:prstGeom prst="straightConnector1">
+            <a:avLst/>
+          </a:prstGeom>
+          <a:ln w="9525">
+            <a:solidFill>
+              <a:schemeClr val="tx1"/>
+            </a:solidFill>
+            <a:headEnd type="none"/>
+            <a:tailEnd type="triangle"/>
+          </a:ln>
+          <a:effectLst/>
+        </p:spPr>
+        <p:style>
+          <a:lnRef idx="2">
+            <a:schemeClr val="accent1"/>
+          </a:lnRef>
+          <a:fillRef idx="0">
+            <a:schemeClr val="accent1"/>
+          </a:fillRef>
+          <a:effectRef idx="1">
+            <a:schemeClr val="accent1"/>
+          </a:effectRef>
+          <a:fontRef idx="minor">
+            <a:schemeClr val="tx1"/>
+          </a:fontRef>
+        </p:style>
+      </p:cxnSp>
+      <p:pic>
+        <p:nvPicPr>
+          <p:cNvPr id="7" name="Picture 2" descr="ファイルアイコン（ブランク）">
+            <a:extLst>
+              <a:ext uri="{FF2B5EF4-FFF2-40B4-BE49-F238E27FC236}">
+                <a16:creationId xmlns:a16="http://schemas.microsoft.com/office/drawing/2014/main" id="{27B8748E-52B2-46F3-9F43-CB2E06820664}"/>
+              </a:ext>
+            </a:extLst>
+          </p:cNvPr>
+          <p:cNvPicPr>
+            <a:picLocks noChangeAspect="1" noChangeArrowheads="1"/>
+          </p:cNvPicPr>
+          <p:nvPr/>
+        </p:nvPicPr>
+        <p:blipFill>
+          <a:blip r:embed="rId3">
+            <a:extLst>
+              <a:ext uri="{28A0092B-C50C-407E-A947-70E740481C1C}">
+                <a14:useLocalDpi xmlns:a14="http://schemas.microsoft.com/office/drawing/2010/main" val="0"/>
+              </a:ext>
+            </a:extLst>
+          </a:blip>
+          <a:srcRect/>
+          <a:stretch>
+            <a:fillRect/>
+          </a:stretch>
+        </p:blipFill>
+        <p:spPr bwMode="auto">
+          <a:xfrm>
+            <a:off x="5148065" y="4380617"/>
+            <a:ext cx="456156" cy="529729"/>
+          </a:xfrm>
+          <a:prstGeom prst="rect">
+            <a:avLst/>
+          </a:prstGeom>
+          <a:noFill/>
+          <a:extLst>
+            <a:ext uri="{909E8E84-426E-40DD-AFC4-6F175D3DCCD1}">
+              <a14:hiddenFill xmlns:a14="http://schemas.microsoft.com/office/drawing/2010/main">
+                <a:solidFill>
+                  <a:srgbClr val="FFFFFF"/>
+                </a:solidFill>
+              </a14:hiddenFill>
+            </a:ext>
+          </a:extLst>
+        </p:spPr>
+      </p:pic>
+      <p:sp>
+        <p:nvSpPr>
+          <p:cNvPr id="8" name="テキスト ボックス 7">
+            <a:extLst>
+              <a:ext uri="{FF2B5EF4-FFF2-40B4-BE49-F238E27FC236}">
+                <a16:creationId xmlns:a16="http://schemas.microsoft.com/office/drawing/2014/main" id="{CD70005F-7C05-4E12-B82F-A6064277262E}"/>
+              </a:ext>
+            </a:extLst>
+          </p:cNvPr>
+          <p:cNvSpPr txBox="1"/>
+          <p:nvPr/>
+        </p:nvSpPr>
+        <p:spPr>
+          <a:xfrm>
+            <a:off x="5076056" y="4941168"/>
+            <a:ext cx="691215" cy="369332"/>
+          </a:xfrm>
+          <a:prstGeom prst="rect">
+            <a:avLst/>
+          </a:prstGeom>
+          <a:noFill/>
+        </p:spPr>
+        <p:txBody>
+          <a:bodyPr wrap="none" rtlCol="0">
+            <a:spAutoFit/>
+          </a:bodyPr>
+          <a:lstStyle/>
+          <a:p>
+            <a:r>
+              <a:rPr kumimoji="1" lang="en-US" altLang="ja-JP">
+                <a:latin typeface="Consolas" panose="020B0609020204030204" pitchFamily="49" charset="0"/>
+              </a:rPr>
+              <a:t>HEAD</a:t>
+            </a:r>
+            <a:endParaRPr kumimoji="1" lang="ja-JP" altLang="en-US" dirty="0">
+              <a:latin typeface="Consolas" panose="020B0609020204030204" pitchFamily="49" charset="0"/>
+            </a:endParaRPr>
+          </a:p>
+        </p:txBody>
+      </p:sp>
+      <p:cxnSp>
+        <p:nvCxnSpPr>
+          <p:cNvPr id="9" name="直線コネクタ 8">
+            <a:extLst>
+              <a:ext uri="{FF2B5EF4-FFF2-40B4-BE49-F238E27FC236}">
+                <a16:creationId xmlns:a16="http://schemas.microsoft.com/office/drawing/2014/main" id="{E52461CF-4FFA-421A-9EEE-60590A2043C3}"/>
+              </a:ext>
+            </a:extLst>
+          </p:cNvPr>
+          <p:cNvCxnSpPr>
+            <a:stCxn id="2" idx="3"/>
+            <a:endCxn id="7" idx="1"/>
+          </p:cNvCxnSpPr>
+          <p:nvPr/>
+        </p:nvCxnSpPr>
+        <p:spPr>
+          <a:xfrm flipV="1">
+            <a:off x="4532784" y="4645482"/>
+            <a:ext cx="615281" cy="4734"/>
+          </a:xfrm>
+          <a:prstGeom prst="line">
+            <a:avLst/>
+          </a:prstGeom>
+          <a:ln w="9525">
+            <a:solidFill>
+              <a:schemeClr val="tx1"/>
+            </a:solidFill>
+            <a:headEnd type="none"/>
+            <a:tailEnd type="none"/>
+          </a:ln>
+          <a:effectLst/>
+        </p:spPr>
+        <p:style>
+          <a:lnRef idx="2">
+            <a:schemeClr val="accent1"/>
+          </a:lnRef>
+          <a:fillRef idx="0">
+            <a:schemeClr val="accent1"/>
+          </a:fillRef>
+          <a:effectRef idx="1">
+            <a:schemeClr val="accent1"/>
+          </a:effectRef>
+          <a:fontRef idx="minor">
+            <a:schemeClr val="tx1"/>
+          </a:fontRef>
+        </p:style>
+      </p:cxnSp>
+      <p:pic>
+        <p:nvPicPr>
+          <p:cNvPr id="10" name="Picture 2" descr="フォルダのイラスト">
+            <a:extLst>
+              <a:ext uri="{FF2B5EF4-FFF2-40B4-BE49-F238E27FC236}">
+                <a16:creationId xmlns:a16="http://schemas.microsoft.com/office/drawing/2014/main" id="{0EEA9235-449E-41B6-8454-744C1ABF650C}"/>
+              </a:ext>
+            </a:extLst>
+          </p:cNvPr>
+          <p:cNvPicPr>
+            <a:picLocks noChangeAspect="1" noChangeArrowheads="1"/>
+          </p:cNvPicPr>
+          <p:nvPr/>
+        </p:nvPicPr>
+        <p:blipFill>
+          <a:blip r:embed="rId2">
+            <a:extLst>
+              <a:ext uri="{28A0092B-C50C-407E-A947-70E740481C1C}">
+                <a14:useLocalDpi xmlns:a14="http://schemas.microsoft.com/office/drawing/2010/main" val="0"/>
+              </a:ext>
+            </a:extLst>
+          </a:blip>
+          <a:srcRect/>
+          <a:stretch>
+            <a:fillRect/>
+          </a:stretch>
+        </p:blipFill>
+        <p:spPr bwMode="auto">
+          <a:xfrm>
+            <a:off x="5004048" y="5373216"/>
+            <a:ext cx="680864" cy="570224"/>
+          </a:xfrm>
+          <a:prstGeom prst="rect">
+            <a:avLst/>
+          </a:prstGeom>
+          <a:noFill/>
+          <a:extLst>
+            <a:ext uri="{909E8E84-426E-40DD-AFC4-6F175D3DCCD1}">
+              <a14:hiddenFill xmlns:a14="http://schemas.microsoft.com/office/drawing/2010/main">
+                <a:solidFill>
+                  <a:srgbClr val="FFFFFF"/>
+                </a:solidFill>
+              </a14:hiddenFill>
+            </a:ext>
+          </a:extLst>
+        </p:spPr>
+      </p:pic>
+      <p:cxnSp>
+        <p:nvCxnSpPr>
+          <p:cNvPr id="11" name="コネクタ: カギ線 10">
+            <a:extLst>
+              <a:ext uri="{FF2B5EF4-FFF2-40B4-BE49-F238E27FC236}">
+                <a16:creationId xmlns:a16="http://schemas.microsoft.com/office/drawing/2014/main" id="{D3534351-C1E3-4E97-B66D-B195C928C283}"/>
+              </a:ext>
+            </a:extLst>
+          </p:cNvPr>
+          <p:cNvCxnSpPr>
+            <a:stCxn id="2" idx="3"/>
+            <a:endCxn id="10" idx="1"/>
+          </p:cNvCxnSpPr>
+          <p:nvPr/>
+        </p:nvCxnSpPr>
+        <p:spPr>
+          <a:xfrm>
+            <a:off x="4532784" y="4650216"/>
+            <a:ext cx="471264" cy="1008112"/>
+          </a:xfrm>
+          <a:prstGeom prst="bentConnector3">
+            <a:avLst/>
+          </a:prstGeom>
+          <a:ln w="9525">
+            <a:solidFill>
+              <a:schemeClr val="tx1"/>
+            </a:solidFill>
+            <a:headEnd type="none"/>
+            <a:tailEnd type="none"/>
+          </a:ln>
+          <a:effectLst/>
+        </p:spPr>
+        <p:style>
+          <a:lnRef idx="2">
+            <a:schemeClr val="accent1"/>
+          </a:lnRef>
+          <a:fillRef idx="0">
+            <a:schemeClr val="accent1"/>
+          </a:fillRef>
+          <a:effectRef idx="1">
+            <a:schemeClr val="accent1"/>
+          </a:effectRef>
+          <a:fontRef idx="minor">
+            <a:schemeClr val="tx1"/>
+          </a:fontRef>
+        </p:style>
+      </p:cxnSp>
+      <p:sp>
+        <p:nvSpPr>
+          <p:cNvPr id="12" name="テキスト ボックス 11">
+            <a:extLst>
+              <a:ext uri="{FF2B5EF4-FFF2-40B4-BE49-F238E27FC236}">
+                <a16:creationId xmlns:a16="http://schemas.microsoft.com/office/drawing/2014/main" id="{650A720B-31AB-4684-9F2A-30F32A1ADC54}"/>
+              </a:ext>
+            </a:extLst>
+          </p:cNvPr>
+          <p:cNvSpPr txBox="1"/>
+          <p:nvPr/>
+        </p:nvSpPr>
+        <p:spPr>
+          <a:xfrm>
+            <a:off x="5004048" y="5867980"/>
+            <a:ext cx="691215" cy="369332"/>
+          </a:xfrm>
+          <a:prstGeom prst="rect">
+            <a:avLst/>
+          </a:prstGeom>
+          <a:noFill/>
+        </p:spPr>
+        <p:txBody>
+          <a:bodyPr wrap="none" rtlCol="0">
+            <a:spAutoFit/>
+          </a:bodyPr>
+          <a:lstStyle/>
+          <a:p>
+            <a:r>
+              <a:rPr kumimoji="1" lang="en-US" altLang="ja-JP">
+                <a:latin typeface="Consolas" panose="020B0609020204030204" pitchFamily="49" charset="0"/>
+              </a:rPr>
+              <a:t>refs</a:t>
+            </a:r>
+            <a:endParaRPr kumimoji="1" lang="ja-JP" altLang="en-US" dirty="0">
+              <a:latin typeface="Consolas" panose="020B0609020204030204" pitchFamily="49" charset="0"/>
+            </a:endParaRPr>
+          </a:p>
+        </p:txBody>
+      </p:sp>
+      <p:sp>
+        <p:nvSpPr>
+          <p:cNvPr id="13" name="正方形/長方形 12">
+            <a:extLst>
+              <a:ext uri="{FF2B5EF4-FFF2-40B4-BE49-F238E27FC236}">
+                <a16:creationId xmlns:a16="http://schemas.microsoft.com/office/drawing/2014/main" id="{CB53A919-DF9E-4577-9DE3-F05C8594B907}"/>
+              </a:ext>
+            </a:extLst>
+          </p:cNvPr>
+          <p:cNvSpPr/>
+          <p:nvPr/>
+        </p:nvSpPr>
+        <p:spPr>
+          <a:xfrm>
+            <a:off x="470756" y="6102588"/>
+            <a:ext cx="1224136" cy="461665"/>
+          </a:xfrm>
+          <a:prstGeom prst="rect">
+            <a:avLst/>
+          </a:prstGeom>
+          <a:ln>
+            <a:solidFill>
+              <a:schemeClr val="tx1"/>
+            </a:solidFill>
+          </a:ln>
+        </p:spPr>
+        <p:txBody>
+          <a:bodyPr wrap="square" rtlCol="0" anchor="ctr">
+            <a:spAutoFit/>
+          </a:bodyPr>
+          <a:lstStyle/>
+          <a:p>
+            <a:pPr algn="ctr"/>
+            <a:r>
+              <a:rPr kumimoji="1" lang="en-US" altLang="ja-JP" sz="2400"/>
+              <a:t>HEAD</a:t>
+            </a:r>
+            <a:endParaRPr kumimoji="1" lang="ja-JP" altLang="en-US" sz="2400" dirty="0"/>
+          </a:p>
+        </p:txBody>
+      </p:sp>
+      <p:cxnSp>
+        <p:nvCxnSpPr>
+          <p:cNvPr id="14" name="直線矢印コネクタ 13">
+            <a:extLst>
+              <a:ext uri="{FF2B5EF4-FFF2-40B4-BE49-F238E27FC236}">
+                <a16:creationId xmlns:a16="http://schemas.microsoft.com/office/drawing/2014/main" id="{9FB290F5-5092-47B8-B914-F1BE72A748CA}"/>
+              </a:ext>
+            </a:extLst>
+          </p:cNvPr>
+          <p:cNvCxnSpPr>
+            <a:cxnSpLocks/>
+            <a:stCxn id="13" idx="0"/>
+            <a:endCxn id="4" idx="4"/>
+          </p:cNvCxnSpPr>
+          <p:nvPr/>
+        </p:nvCxnSpPr>
+        <p:spPr>
+          <a:xfrm flipV="1">
+            <a:off x="1082824" y="5589240"/>
+            <a:ext cx="0" cy="513348"/>
+          </a:xfrm>
+          <a:prstGeom prst="straightConnector1">
+            <a:avLst/>
+          </a:prstGeom>
+          <a:ln w="9525">
+            <a:solidFill>
+              <a:schemeClr val="tx1"/>
+            </a:solidFill>
+            <a:headEnd type="none"/>
+            <a:tailEnd type="triangle"/>
+          </a:ln>
+          <a:effectLst/>
+        </p:spPr>
+        <p:style>
+          <a:lnRef idx="2">
+            <a:schemeClr val="accent1"/>
+          </a:lnRef>
+          <a:fillRef idx="0">
+            <a:schemeClr val="accent1"/>
+          </a:fillRef>
+          <a:effectRef idx="1">
+            <a:schemeClr val="accent1"/>
+          </a:effectRef>
+          <a:fontRef idx="minor">
+            <a:schemeClr val="tx1"/>
+          </a:fontRef>
+        </p:style>
+      </p:cxnSp>
+      <p:pic>
+        <p:nvPicPr>
+          <p:cNvPr id="15" name="Picture 2" descr="フォルダのイラスト">
+            <a:extLst>
+              <a:ext uri="{FF2B5EF4-FFF2-40B4-BE49-F238E27FC236}">
+                <a16:creationId xmlns:a16="http://schemas.microsoft.com/office/drawing/2014/main" id="{D72E0611-1ABC-425B-97CA-C535DCE2C95C}"/>
+              </a:ext>
+            </a:extLst>
+          </p:cNvPr>
+          <p:cNvPicPr>
+            <a:picLocks noChangeAspect="1" noChangeArrowheads="1"/>
+          </p:cNvPicPr>
+          <p:nvPr/>
+        </p:nvPicPr>
+        <p:blipFill>
+          <a:blip r:embed="rId2">
+            <a:extLst>
+              <a:ext uri="{28A0092B-C50C-407E-A947-70E740481C1C}">
+                <a14:useLocalDpi xmlns:a14="http://schemas.microsoft.com/office/drawing/2010/main" val="0"/>
+              </a:ext>
+            </a:extLst>
+          </a:blip>
+          <a:srcRect/>
+          <a:stretch>
+            <a:fillRect/>
+          </a:stretch>
+        </p:blipFill>
+        <p:spPr bwMode="auto">
+          <a:xfrm>
+            <a:off x="6123384" y="5373216"/>
+            <a:ext cx="680864" cy="570224"/>
+          </a:xfrm>
+          <a:prstGeom prst="rect">
+            <a:avLst/>
+          </a:prstGeom>
+          <a:noFill/>
+          <a:extLst>
+            <a:ext uri="{909E8E84-426E-40DD-AFC4-6F175D3DCCD1}">
+              <a14:hiddenFill xmlns:a14="http://schemas.microsoft.com/office/drawing/2010/main">
+                <a:solidFill>
+                  <a:srgbClr val="FFFFFF"/>
+                </a:solidFill>
+              </a14:hiddenFill>
+            </a:ext>
+          </a:extLst>
+        </p:spPr>
+      </p:pic>
+      <p:sp>
+        <p:nvSpPr>
+          <p:cNvPr id="16" name="テキスト ボックス 15">
+            <a:extLst>
+              <a:ext uri="{FF2B5EF4-FFF2-40B4-BE49-F238E27FC236}">
+                <a16:creationId xmlns:a16="http://schemas.microsoft.com/office/drawing/2014/main" id="{041123C5-D631-49E9-99BB-677834269410}"/>
+              </a:ext>
+            </a:extLst>
+          </p:cNvPr>
+          <p:cNvSpPr txBox="1"/>
+          <p:nvPr/>
+        </p:nvSpPr>
+        <p:spPr>
+          <a:xfrm>
+            <a:off x="6084168" y="5867980"/>
+            <a:ext cx="817853" cy="369332"/>
+          </a:xfrm>
+          <a:prstGeom prst="rect">
+            <a:avLst/>
+          </a:prstGeom>
+          <a:noFill/>
+        </p:spPr>
+        <p:txBody>
+          <a:bodyPr wrap="none" rtlCol="0">
+            <a:spAutoFit/>
+          </a:bodyPr>
+          <a:lstStyle/>
+          <a:p>
+            <a:r>
+              <a:rPr kumimoji="1" lang="en-US" altLang="ja-JP">
+                <a:latin typeface="Consolas" panose="020B0609020204030204" pitchFamily="49" charset="0"/>
+              </a:rPr>
+              <a:t>heads</a:t>
+            </a:r>
+            <a:endParaRPr kumimoji="1" lang="ja-JP" altLang="en-US" dirty="0">
+              <a:latin typeface="Consolas" panose="020B0609020204030204" pitchFamily="49" charset="0"/>
+            </a:endParaRPr>
+          </a:p>
+        </p:txBody>
+      </p:sp>
+      <p:cxnSp>
+        <p:nvCxnSpPr>
+          <p:cNvPr id="17" name="直線コネクタ 16">
+            <a:extLst>
+              <a:ext uri="{FF2B5EF4-FFF2-40B4-BE49-F238E27FC236}">
+                <a16:creationId xmlns:a16="http://schemas.microsoft.com/office/drawing/2014/main" id="{1AC1BDDF-86F2-4FBA-9F66-5DB39AFE135C}"/>
+              </a:ext>
+            </a:extLst>
+          </p:cNvPr>
+          <p:cNvCxnSpPr>
+            <a:stCxn id="15" idx="1"/>
+            <a:endCxn id="10" idx="3"/>
+          </p:cNvCxnSpPr>
+          <p:nvPr/>
+        </p:nvCxnSpPr>
+        <p:spPr>
+          <a:xfrm flipH="1">
+            <a:off x="5684912" y="5658328"/>
+            <a:ext cx="438472" cy="0"/>
+          </a:xfrm>
+          <a:prstGeom prst="line">
+            <a:avLst/>
+          </a:prstGeom>
+          <a:ln w="9525">
+            <a:solidFill>
+              <a:schemeClr val="tx1"/>
+            </a:solidFill>
+            <a:headEnd type="none"/>
+            <a:tailEnd type="none"/>
+          </a:ln>
+          <a:effectLst/>
+        </p:spPr>
+        <p:style>
+          <a:lnRef idx="2">
+            <a:schemeClr val="accent1"/>
+          </a:lnRef>
+          <a:fillRef idx="0">
+            <a:schemeClr val="accent1"/>
+          </a:fillRef>
+          <a:effectRef idx="1">
+            <a:schemeClr val="accent1"/>
+          </a:effectRef>
+          <a:fontRef idx="minor">
+            <a:schemeClr val="tx1"/>
+          </a:fontRef>
+        </p:style>
+      </p:cxnSp>
+      <p:pic>
+        <p:nvPicPr>
+          <p:cNvPr id="18" name="Picture 2" descr="ファイルアイコン（ブランク）">
+            <a:extLst>
+              <a:ext uri="{FF2B5EF4-FFF2-40B4-BE49-F238E27FC236}">
+                <a16:creationId xmlns:a16="http://schemas.microsoft.com/office/drawing/2014/main" id="{E2C93BE0-0007-4FA5-974A-E3324748CBC4}"/>
+              </a:ext>
+            </a:extLst>
+          </p:cNvPr>
+          <p:cNvPicPr>
+            <a:picLocks noChangeAspect="1" noChangeArrowheads="1"/>
+          </p:cNvPicPr>
+          <p:nvPr/>
+        </p:nvPicPr>
+        <p:blipFill>
+          <a:blip r:embed="rId3">
+            <a:extLst>
+              <a:ext uri="{28A0092B-C50C-407E-A947-70E740481C1C}">
+                <a14:useLocalDpi xmlns:a14="http://schemas.microsoft.com/office/drawing/2010/main" val="0"/>
+              </a:ext>
+            </a:extLst>
+          </a:blip>
+          <a:srcRect/>
+          <a:stretch>
+            <a:fillRect/>
+          </a:stretch>
+        </p:blipFill>
+        <p:spPr bwMode="auto">
+          <a:xfrm>
+            <a:off x="7284196" y="5419551"/>
+            <a:ext cx="456156" cy="529729"/>
+          </a:xfrm>
+          <a:prstGeom prst="rect">
+            <a:avLst/>
+          </a:prstGeom>
+          <a:noFill/>
+          <a:extLst>
+            <a:ext uri="{909E8E84-426E-40DD-AFC4-6F175D3DCCD1}">
+              <a14:hiddenFill xmlns:a14="http://schemas.microsoft.com/office/drawing/2010/main">
+                <a:solidFill>
+                  <a:srgbClr val="FFFFFF"/>
+                </a:solidFill>
+              </a14:hiddenFill>
+            </a:ext>
+          </a:extLst>
+        </p:spPr>
+      </p:pic>
+      <p:sp>
+        <p:nvSpPr>
+          <p:cNvPr id="19" name="テキスト ボックス 18">
+            <a:extLst>
+              <a:ext uri="{FF2B5EF4-FFF2-40B4-BE49-F238E27FC236}">
+                <a16:creationId xmlns:a16="http://schemas.microsoft.com/office/drawing/2014/main" id="{D5AAFCB6-1C0A-4BB4-861E-5B2212CEDC11}"/>
+              </a:ext>
+            </a:extLst>
+          </p:cNvPr>
+          <p:cNvSpPr txBox="1"/>
+          <p:nvPr/>
+        </p:nvSpPr>
+        <p:spPr>
+          <a:xfrm>
+            <a:off x="7092280" y="5877272"/>
+            <a:ext cx="944489" cy="369332"/>
+          </a:xfrm>
+          <a:prstGeom prst="rect">
+            <a:avLst/>
+          </a:prstGeom>
+          <a:noFill/>
+        </p:spPr>
+        <p:txBody>
+          <a:bodyPr wrap="none" rtlCol="0">
+            <a:spAutoFit/>
+          </a:bodyPr>
+          <a:lstStyle/>
+          <a:p>
+            <a:r>
+              <a:rPr kumimoji="1" lang="en-US" altLang="ja-JP">
+                <a:latin typeface="Consolas" panose="020B0609020204030204" pitchFamily="49" charset="0"/>
+              </a:rPr>
+              <a:t>master</a:t>
+            </a:r>
+            <a:endParaRPr kumimoji="1" lang="ja-JP" altLang="en-US" dirty="0">
+              <a:latin typeface="Consolas" panose="020B0609020204030204" pitchFamily="49" charset="0"/>
+            </a:endParaRPr>
+          </a:p>
+        </p:txBody>
+      </p:sp>
+      <p:cxnSp>
+        <p:nvCxnSpPr>
+          <p:cNvPr id="20" name="直線コネクタ 19">
+            <a:extLst>
+              <a:ext uri="{FF2B5EF4-FFF2-40B4-BE49-F238E27FC236}">
+                <a16:creationId xmlns:a16="http://schemas.microsoft.com/office/drawing/2014/main" id="{AA3C80E5-D7EB-4469-BAEC-C1AD1063D04E}"/>
+              </a:ext>
+            </a:extLst>
+          </p:cNvPr>
+          <p:cNvCxnSpPr/>
+          <p:nvPr/>
+        </p:nvCxnSpPr>
+        <p:spPr>
+          <a:xfrm flipH="1">
+            <a:off x="6804248" y="5661248"/>
+            <a:ext cx="438472" cy="0"/>
+          </a:xfrm>
+          <a:prstGeom prst="line">
+            <a:avLst/>
+          </a:prstGeom>
+          <a:ln w="9525">
+            <a:solidFill>
+              <a:schemeClr val="tx1"/>
+            </a:solidFill>
+            <a:headEnd type="none"/>
+            <a:tailEnd type="none"/>
+          </a:ln>
+          <a:effectLst/>
+        </p:spPr>
+        <p:style>
+          <a:lnRef idx="2">
+            <a:schemeClr val="accent1"/>
+          </a:lnRef>
+          <a:fillRef idx="0">
+            <a:schemeClr val="accent1"/>
+          </a:fillRef>
+          <a:effectRef idx="1">
+            <a:schemeClr val="accent1"/>
+          </a:effectRef>
+          <a:fontRef idx="minor">
+            <a:schemeClr val="tx1"/>
+          </a:fontRef>
+        </p:style>
+      </p:cxnSp>
+      <p:sp>
+        <p:nvSpPr>
+          <p:cNvPr id="21" name="テキスト ボックス 20">
+            <a:extLst>
+              <a:ext uri="{FF2B5EF4-FFF2-40B4-BE49-F238E27FC236}">
+                <a16:creationId xmlns:a16="http://schemas.microsoft.com/office/drawing/2014/main" id="{725E6E09-8F37-4EFE-BB8E-7DCFA775D288}"/>
+              </a:ext>
+            </a:extLst>
+          </p:cNvPr>
+          <p:cNvSpPr txBox="1"/>
+          <p:nvPr/>
+        </p:nvSpPr>
+        <p:spPr>
+          <a:xfrm>
+            <a:off x="539552" y="3573016"/>
+            <a:ext cx="2771143" cy="461665"/>
+          </a:xfrm>
+          <a:prstGeom prst="rect">
+            <a:avLst/>
+          </a:prstGeom>
+          <a:noFill/>
+        </p:spPr>
+        <p:txBody>
+          <a:bodyPr wrap="none" rtlCol="0">
+            <a:spAutoFit/>
+          </a:bodyPr>
+          <a:lstStyle/>
+          <a:p>
+            <a:r>
+              <a:rPr kumimoji="1" lang="en-US" altLang="ja-JP" sz="2400"/>
+              <a:t>Detached HEAD</a:t>
+            </a:r>
+            <a:r>
+              <a:rPr kumimoji="1" lang="ja-JP" altLang="en-US" sz="2400"/>
+              <a:t>状態</a:t>
+            </a:r>
+            <a:endParaRPr kumimoji="1" lang="ja-JP" altLang="en-US" sz="2400" dirty="0"/>
+          </a:p>
+        </p:txBody>
+      </p:sp>
+      <p:sp>
+        <p:nvSpPr>
+          <p:cNvPr id="29" name="テキスト ボックス 28">
+            <a:extLst>
+              <a:ext uri="{FF2B5EF4-FFF2-40B4-BE49-F238E27FC236}">
+                <a16:creationId xmlns:a16="http://schemas.microsoft.com/office/drawing/2014/main" id="{643E1A7D-57D6-4C07-8FEC-60B7F58A4582}"/>
+              </a:ext>
+            </a:extLst>
+          </p:cNvPr>
+          <p:cNvSpPr txBox="1"/>
+          <p:nvPr/>
+        </p:nvSpPr>
+        <p:spPr>
+          <a:xfrm>
+            <a:off x="1298848" y="5166484"/>
+            <a:ext cx="1152128" cy="369332"/>
+          </a:xfrm>
+          <a:prstGeom prst="rect">
+            <a:avLst/>
+          </a:prstGeom>
+          <a:noFill/>
+        </p:spPr>
+        <p:txBody>
+          <a:bodyPr wrap="square">
+            <a:spAutoFit/>
+          </a:bodyPr>
+          <a:lstStyle/>
+          <a:p>
+            <a:r>
+              <a:rPr lang="ja-JP" altLang="en-US">
+                <a:latin typeface="Consolas" panose="020B0609020204030204" pitchFamily="49" charset="0"/>
+              </a:rPr>
+              <a:t>c950332</a:t>
+            </a:r>
+          </a:p>
+        </p:txBody>
+      </p:sp>
+      <p:sp>
+        <p:nvSpPr>
+          <p:cNvPr id="30" name="テキスト ボックス 29">
+            <a:extLst>
+              <a:ext uri="{FF2B5EF4-FFF2-40B4-BE49-F238E27FC236}">
+                <a16:creationId xmlns:a16="http://schemas.microsoft.com/office/drawing/2014/main" id="{C7C06C0C-F8A7-4425-A38A-08183912B757}"/>
+              </a:ext>
+            </a:extLst>
+          </p:cNvPr>
+          <p:cNvSpPr txBox="1"/>
+          <p:nvPr/>
+        </p:nvSpPr>
+        <p:spPr>
+          <a:xfrm>
+            <a:off x="5580112" y="4509120"/>
+            <a:ext cx="1224136" cy="369332"/>
+          </a:xfrm>
+          <a:prstGeom prst="rect">
+            <a:avLst/>
+          </a:prstGeom>
+          <a:noFill/>
+        </p:spPr>
+        <p:txBody>
+          <a:bodyPr wrap="square">
+            <a:spAutoFit/>
+          </a:bodyPr>
+          <a:lstStyle/>
+          <a:p>
+            <a:r>
+              <a:rPr lang="ja-JP" altLang="en-US">
+                <a:latin typeface="Consolas" panose="020B0609020204030204" pitchFamily="49" charset="0"/>
+              </a:rPr>
+              <a:t>c950332</a:t>
+            </a:r>
+          </a:p>
+        </p:txBody>
+      </p:sp>
+      <p:sp>
+        <p:nvSpPr>
+          <p:cNvPr id="31" name="テキスト ボックス 30">
+            <a:extLst>
+              <a:ext uri="{FF2B5EF4-FFF2-40B4-BE49-F238E27FC236}">
+                <a16:creationId xmlns:a16="http://schemas.microsoft.com/office/drawing/2014/main" id="{3D1FB97A-01DB-41DA-976A-18D667698542}"/>
+              </a:ext>
+            </a:extLst>
+          </p:cNvPr>
+          <p:cNvSpPr txBox="1"/>
+          <p:nvPr/>
+        </p:nvSpPr>
+        <p:spPr>
+          <a:xfrm>
+            <a:off x="7812360" y="5517232"/>
+            <a:ext cx="1152128" cy="369332"/>
+          </a:xfrm>
+          <a:prstGeom prst="rect">
+            <a:avLst/>
+          </a:prstGeom>
+          <a:noFill/>
+        </p:spPr>
+        <p:txBody>
+          <a:bodyPr wrap="square">
+            <a:spAutoFit/>
+          </a:bodyPr>
+          <a:lstStyle/>
+          <a:p>
+            <a:r>
+              <a:rPr lang="ja-JP" altLang="en-US">
+                <a:latin typeface="Consolas" panose="020B0609020204030204" pitchFamily="49" charset="0"/>
+              </a:rPr>
+              <a:t>c950332</a:t>
+            </a:r>
+          </a:p>
+        </p:txBody>
+      </p:sp>
+      <p:pic>
+        <p:nvPicPr>
+          <p:cNvPr id="51" name="Picture 2" descr="フォルダのイラスト">
+            <a:extLst>
+              <a:ext uri="{FF2B5EF4-FFF2-40B4-BE49-F238E27FC236}">
+                <a16:creationId xmlns:a16="http://schemas.microsoft.com/office/drawing/2014/main" id="{7301EC88-A544-4545-A3F7-B1C7A9CA18F3}"/>
+              </a:ext>
+            </a:extLst>
+          </p:cNvPr>
+          <p:cNvPicPr>
+            <a:picLocks noChangeAspect="1" noChangeArrowheads="1"/>
+          </p:cNvPicPr>
+          <p:nvPr/>
+        </p:nvPicPr>
+        <p:blipFill>
+          <a:blip r:embed="rId2">
+            <a:extLst>
+              <a:ext uri="{28A0092B-C50C-407E-A947-70E740481C1C}">
+                <a14:useLocalDpi xmlns:a14="http://schemas.microsoft.com/office/drawing/2010/main" val="0"/>
+              </a:ext>
+            </a:extLst>
+          </a:blip>
+          <a:srcRect/>
+          <a:stretch>
+            <a:fillRect/>
+          </a:stretch>
+        </p:blipFill>
+        <p:spPr bwMode="auto">
+          <a:xfrm>
+            <a:off x="4604792" y="1340768"/>
+            <a:ext cx="680864" cy="570224"/>
+          </a:xfrm>
+          <a:prstGeom prst="rect">
+            <a:avLst/>
+          </a:prstGeom>
+          <a:noFill/>
+          <a:extLst>
+            <a:ext uri="{909E8E84-426E-40DD-AFC4-6F175D3DCCD1}">
+              <a14:hiddenFill xmlns:a14="http://schemas.microsoft.com/office/drawing/2010/main">
+                <a:solidFill>
+                  <a:srgbClr val="FFFFFF"/>
+                </a:solidFill>
+              </a14:hiddenFill>
+            </a:ext>
+          </a:extLst>
+        </p:spPr>
+      </p:pic>
+      <p:sp>
+        <p:nvSpPr>
+          <p:cNvPr id="52" name="テキスト ボックス 51">
+            <a:extLst>
+              <a:ext uri="{FF2B5EF4-FFF2-40B4-BE49-F238E27FC236}">
+                <a16:creationId xmlns:a16="http://schemas.microsoft.com/office/drawing/2014/main" id="{21EE23C1-F7DC-433B-BB89-FD1B5C7E9D1E}"/>
+              </a:ext>
+            </a:extLst>
+          </p:cNvPr>
+          <p:cNvSpPr txBox="1"/>
+          <p:nvPr/>
+        </p:nvSpPr>
+        <p:spPr>
+          <a:xfrm>
+            <a:off x="4532784" y="1916832"/>
+            <a:ext cx="691215" cy="369332"/>
+          </a:xfrm>
+          <a:prstGeom prst="rect">
+            <a:avLst/>
+          </a:prstGeom>
+          <a:noFill/>
+        </p:spPr>
+        <p:txBody>
+          <a:bodyPr wrap="none" rtlCol="0">
+            <a:spAutoFit/>
+          </a:bodyPr>
+          <a:lstStyle/>
+          <a:p>
+            <a:r>
+              <a:rPr kumimoji="1" lang="en-US" altLang="ja-JP">
+                <a:latin typeface="Consolas" panose="020B0609020204030204" pitchFamily="49" charset="0"/>
+              </a:rPr>
+              <a:t>.git</a:t>
+            </a:r>
+            <a:endParaRPr kumimoji="1" lang="ja-JP" altLang="en-US" dirty="0">
+              <a:latin typeface="Consolas" panose="020B0609020204030204" pitchFamily="49" charset="0"/>
+            </a:endParaRPr>
+          </a:p>
+        </p:txBody>
+      </p:sp>
+      <p:sp>
+        <p:nvSpPr>
+          <p:cNvPr id="53" name="楕円 52">
+            <a:extLst>
+              <a:ext uri="{FF2B5EF4-FFF2-40B4-BE49-F238E27FC236}">
+                <a16:creationId xmlns:a16="http://schemas.microsoft.com/office/drawing/2014/main" id="{D20602DE-BB19-4477-8A19-98F313B0724D}"/>
+              </a:ext>
+            </a:extLst>
+          </p:cNvPr>
+          <p:cNvSpPr/>
+          <p:nvPr/>
+        </p:nvSpPr>
+        <p:spPr>
+          <a:xfrm>
+            <a:off x="2339752" y="2420888"/>
+            <a:ext cx="432048" cy="432048"/>
+          </a:xfrm>
+          <a:prstGeom prst="ellipse">
+            <a:avLst/>
+          </a:prstGeom>
+          <a:solidFill>
+            <a:srgbClr val="0070C0"/>
+          </a:solidFill>
+          <a:ln>
+            <a:solidFill>
+              <a:schemeClr val="tx1"/>
+            </a:solidFill>
+          </a:ln>
+        </p:spPr>
+        <p:txBody>
+          <a:bodyPr wrap="square" rtlCol="0" anchor="ctr">
+            <a:spAutoFit/>
+          </a:bodyPr>
+          <a:lstStyle/>
+          <a:p>
+            <a:pPr algn="ctr"/>
+            <a:endParaRPr kumimoji="1" lang="ja-JP" altLang="en-US" sz="2400" dirty="0"/>
+          </a:p>
+        </p:txBody>
+      </p:sp>
+      <p:sp>
+        <p:nvSpPr>
+          <p:cNvPr id="54" name="四角形: 1 つの角を切り取り 1 つの角を丸める 53">
+            <a:extLst>
+              <a:ext uri="{FF2B5EF4-FFF2-40B4-BE49-F238E27FC236}">
+                <a16:creationId xmlns:a16="http://schemas.microsoft.com/office/drawing/2014/main" id="{A3FC6908-00DB-4714-B7C8-1AFF6D9ABF4D}"/>
+              </a:ext>
+            </a:extLst>
+          </p:cNvPr>
+          <p:cNvSpPr/>
+          <p:nvPr/>
+        </p:nvSpPr>
+        <p:spPr>
+          <a:xfrm>
+            <a:off x="1907704" y="1484784"/>
+            <a:ext cx="1296144" cy="483989"/>
+          </a:xfrm>
+          <a:prstGeom prst="snipRoundRect">
+            <a:avLst/>
+          </a:prstGeom>
+          <a:solidFill>
+            <a:schemeClr val="accent3">
+              <a:lumMod val="20000"/>
+              <a:lumOff val="80000"/>
+            </a:schemeClr>
+          </a:solidFill>
+          <a:ln>
+            <a:solidFill>
+              <a:schemeClr val="tx1"/>
+            </a:solidFill>
+          </a:ln>
+        </p:spPr>
+        <p:txBody>
+          <a:bodyPr wrap="square" rtlCol="0" anchor="ctr">
+            <a:spAutoFit/>
+          </a:bodyPr>
+          <a:lstStyle/>
+          <a:p>
+            <a:pPr algn="ctr"/>
+            <a:r>
+              <a:rPr kumimoji="1" lang="en-US" altLang="ja-JP" sz="2400"/>
+              <a:t>master</a:t>
+            </a:r>
+            <a:endParaRPr kumimoji="1" lang="ja-JP" altLang="en-US" sz="2400" dirty="0"/>
+          </a:p>
+        </p:txBody>
+      </p:sp>
+      <p:cxnSp>
+        <p:nvCxnSpPr>
+          <p:cNvPr id="55" name="直線矢印コネクタ 54">
+            <a:extLst>
+              <a:ext uri="{FF2B5EF4-FFF2-40B4-BE49-F238E27FC236}">
+                <a16:creationId xmlns:a16="http://schemas.microsoft.com/office/drawing/2014/main" id="{AA4AB468-5A9E-49FB-8B1E-541575DD0977}"/>
+              </a:ext>
+            </a:extLst>
+          </p:cNvPr>
+          <p:cNvCxnSpPr>
+            <a:stCxn id="54" idx="1"/>
+            <a:endCxn id="53" idx="0"/>
+          </p:cNvCxnSpPr>
+          <p:nvPr/>
+        </p:nvCxnSpPr>
+        <p:spPr>
+          <a:xfrm>
+            <a:off x="2555776" y="1968773"/>
+            <a:ext cx="0" cy="452115"/>
+          </a:xfrm>
+          <a:prstGeom prst="straightConnector1">
+            <a:avLst/>
+          </a:prstGeom>
+          <a:ln w="9525">
+            <a:solidFill>
+              <a:schemeClr val="tx1"/>
+            </a:solidFill>
+            <a:headEnd type="none"/>
+            <a:tailEnd type="triangle"/>
+          </a:ln>
+          <a:effectLst/>
+        </p:spPr>
+        <p:style>
+          <a:lnRef idx="2">
+            <a:schemeClr val="accent1"/>
+          </a:lnRef>
+          <a:fillRef idx="0">
+            <a:schemeClr val="accent1"/>
+          </a:fillRef>
+          <a:effectRef idx="1">
+            <a:schemeClr val="accent1"/>
+          </a:effectRef>
+          <a:fontRef idx="minor">
+            <a:schemeClr val="tx1"/>
+          </a:fontRef>
+        </p:style>
+      </p:cxnSp>
+      <p:pic>
+        <p:nvPicPr>
+          <p:cNvPr id="56" name="Picture 2" descr="ファイルアイコン（ブランク）">
+            <a:extLst>
+              <a:ext uri="{FF2B5EF4-FFF2-40B4-BE49-F238E27FC236}">
+                <a16:creationId xmlns:a16="http://schemas.microsoft.com/office/drawing/2014/main" id="{913859E2-8140-4C52-A785-717550F5045C}"/>
+              </a:ext>
+            </a:extLst>
+          </p:cNvPr>
+          <p:cNvPicPr>
+            <a:picLocks noChangeAspect="1" noChangeArrowheads="1"/>
+          </p:cNvPicPr>
+          <p:nvPr/>
+        </p:nvPicPr>
+        <p:blipFill>
+          <a:blip r:embed="rId3">
+            <a:extLst>
+              <a:ext uri="{28A0092B-C50C-407E-A947-70E740481C1C}">
+                <a14:useLocalDpi xmlns:a14="http://schemas.microsoft.com/office/drawing/2010/main" val="0"/>
+              </a:ext>
+            </a:extLst>
+          </a:blip>
+          <a:srcRect/>
+          <a:stretch>
+            <a:fillRect/>
+          </a:stretch>
+        </p:blipFill>
+        <p:spPr bwMode="auto">
+          <a:xfrm>
+            <a:off x="5900937" y="1356281"/>
+            <a:ext cx="456156" cy="529729"/>
+          </a:xfrm>
+          <a:prstGeom prst="rect">
+            <a:avLst/>
+          </a:prstGeom>
+          <a:noFill/>
+          <a:extLst>
+            <a:ext uri="{909E8E84-426E-40DD-AFC4-6F175D3DCCD1}">
+              <a14:hiddenFill xmlns:a14="http://schemas.microsoft.com/office/drawing/2010/main">
+                <a:solidFill>
+                  <a:srgbClr val="FFFFFF"/>
+                </a:solidFill>
+              </a14:hiddenFill>
+            </a:ext>
+          </a:extLst>
+        </p:spPr>
+      </p:pic>
+      <p:sp>
+        <p:nvSpPr>
+          <p:cNvPr id="57" name="テキスト ボックス 56">
+            <a:extLst>
+              <a:ext uri="{FF2B5EF4-FFF2-40B4-BE49-F238E27FC236}">
+                <a16:creationId xmlns:a16="http://schemas.microsoft.com/office/drawing/2014/main" id="{B7A8AEA7-23DE-4BF4-AFB3-D6EFF07C4C10}"/>
+              </a:ext>
+            </a:extLst>
+          </p:cNvPr>
+          <p:cNvSpPr txBox="1"/>
+          <p:nvPr/>
+        </p:nvSpPr>
+        <p:spPr>
+          <a:xfrm>
+            <a:off x="5828928" y="1916832"/>
+            <a:ext cx="691215" cy="369332"/>
+          </a:xfrm>
+          <a:prstGeom prst="rect">
+            <a:avLst/>
+          </a:prstGeom>
+          <a:noFill/>
+        </p:spPr>
+        <p:txBody>
+          <a:bodyPr wrap="none" rtlCol="0">
+            <a:spAutoFit/>
+          </a:bodyPr>
+          <a:lstStyle/>
+          <a:p>
+            <a:r>
+              <a:rPr kumimoji="1" lang="en-US" altLang="ja-JP">
+                <a:latin typeface="Consolas" panose="020B0609020204030204" pitchFamily="49" charset="0"/>
+              </a:rPr>
+              <a:t>HEAD</a:t>
+            </a:r>
+            <a:endParaRPr kumimoji="1" lang="ja-JP" altLang="en-US" dirty="0">
+              <a:latin typeface="Consolas" panose="020B0609020204030204" pitchFamily="49" charset="0"/>
+            </a:endParaRPr>
+          </a:p>
+        </p:txBody>
+      </p:sp>
+      <p:cxnSp>
+        <p:nvCxnSpPr>
+          <p:cNvPr id="58" name="直線コネクタ 57">
+            <a:extLst>
+              <a:ext uri="{FF2B5EF4-FFF2-40B4-BE49-F238E27FC236}">
+                <a16:creationId xmlns:a16="http://schemas.microsoft.com/office/drawing/2014/main" id="{E1A9702E-FE82-4C29-BB7A-3B9FB7D140FC}"/>
+              </a:ext>
+            </a:extLst>
+          </p:cNvPr>
+          <p:cNvCxnSpPr>
+            <a:stCxn id="51" idx="3"/>
+            <a:endCxn id="56" idx="1"/>
+          </p:cNvCxnSpPr>
+          <p:nvPr/>
+        </p:nvCxnSpPr>
+        <p:spPr>
+          <a:xfrm flipV="1">
+            <a:off x="5285656" y="1621146"/>
+            <a:ext cx="615281" cy="4734"/>
+          </a:xfrm>
+          <a:prstGeom prst="line">
+            <a:avLst/>
+          </a:prstGeom>
+          <a:ln w="9525">
+            <a:solidFill>
+              <a:schemeClr val="tx1"/>
+            </a:solidFill>
+            <a:headEnd type="none"/>
+            <a:tailEnd type="none"/>
+          </a:ln>
+          <a:effectLst/>
+        </p:spPr>
+        <p:style>
+          <a:lnRef idx="2">
+            <a:schemeClr val="accent1"/>
+          </a:lnRef>
+          <a:fillRef idx="0">
+            <a:schemeClr val="accent1"/>
+          </a:fillRef>
+          <a:effectRef idx="1">
+            <a:schemeClr val="accent1"/>
+          </a:effectRef>
+          <a:fontRef idx="minor">
+            <a:schemeClr val="tx1"/>
+          </a:fontRef>
+        </p:style>
+      </p:cxnSp>
+      <p:pic>
+        <p:nvPicPr>
+          <p:cNvPr id="59" name="Picture 2" descr="フォルダのイラスト">
+            <a:extLst>
+              <a:ext uri="{FF2B5EF4-FFF2-40B4-BE49-F238E27FC236}">
+                <a16:creationId xmlns:a16="http://schemas.microsoft.com/office/drawing/2014/main" id="{134A9F11-C569-43F3-8870-FB865B826618}"/>
+              </a:ext>
+            </a:extLst>
+          </p:cNvPr>
+          <p:cNvPicPr>
+            <a:picLocks noChangeAspect="1" noChangeArrowheads="1"/>
+          </p:cNvPicPr>
+          <p:nvPr/>
+        </p:nvPicPr>
+        <p:blipFill>
+          <a:blip r:embed="rId2">
+            <a:extLst>
+              <a:ext uri="{28A0092B-C50C-407E-A947-70E740481C1C}">
+                <a14:useLocalDpi xmlns:a14="http://schemas.microsoft.com/office/drawing/2010/main" val="0"/>
+              </a:ext>
+            </a:extLst>
+          </a:blip>
+          <a:srcRect/>
+          <a:stretch>
+            <a:fillRect/>
+          </a:stretch>
+        </p:blipFill>
+        <p:spPr bwMode="auto">
+          <a:xfrm>
+            <a:off x="5756920" y="2348880"/>
+            <a:ext cx="680864" cy="570224"/>
+          </a:xfrm>
+          <a:prstGeom prst="rect">
+            <a:avLst/>
+          </a:prstGeom>
+          <a:noFill/>
+          <a:extLst>
+            <a:ext uri="{909E8E84-426E-40DD-AFC4-6F175D3DCCD1}">
+              <a14:hiddenFill xmlns:a14="http://schemas.microsoft.com/office/drawing/2010/main">
+                <a:solidFill>
+                  <a:srgbClr val="FFFFFF"/>
+                </a:solidFill>
+              </a14:hiddenFill>
+            </a:ext>
+          </a:extLst>
+        </p:spPr>
+      </p:pic>
+      <p:cxnSp>
+        <p:nvCxnSpPr>
+          <p:cNvPr id="60" name="コネクタ: カギ線 59">
+            <a:extLst>
+              <a:ext uri="{FF2B5EF4-FFF2-40B4-BE49-F238E27FC236}">
+                <a16:creationId xmlns:a16="http://schemas.microsoft.com/office/drawing/2014/main" id="{53D76DAE-5EC3-4743-9BF6-FAAFD1E5A936}"/>
+              </a:ext>
+            </a:extLst>
+          </p:cNvPr>
+          <p:cNvCxnSpPr>
+            <a:stCxn id="51" idx="3"/>
+            <a:endCxn id="59" idx="1"/>
+          </p:cNvCxnSpPr>
+          <p:nvPr/>
+        </p:nvCxnSpPr>
+        <p:spPr>
+          <a:xfrm>
+            <a:off x="5285656" y="1625880"/>
+            <a:ext cx="471264" cy="1008112"/>
+          </a:xfrm>
+          <a:prstGeom prst="bentConnector3">
+            <a:avLst/>
+          </a:prstGeom>
+          <a:ln w="9525">
+            <a:solidFill>
+              <a:schemeClr val="tx1"/>
+            </a:solidFill>
+            <a:headEnd type="none"/>
+            <a:tailEnd type="none"/>
+          </a:ln>
+          <a:effectLst/>
+        </p:spPr>
+        <p:style>
+          <a:lnRef idx="2">
+            <a:schemeClr val="accent1"/>
+          </a:lnRef>
+          <a:fillRef idx="0">
+            <a:schemeClr val="accent1"/>
+          </a:fillRef>
+          <a:effectRef idx="1">
+            <a:schemeClr val="accent1"/>
+          </a:effectRef>
+          <a:fontRef idx="minor">
+            <a:schemeClr val="tx1"/>
+          </a:fontRef>
+        </p:style>
+      </p:cxnSp>
+      <p:sp>
+        <p:nvSpPr>
+          <p:cNvPr id="61" name="テキスト ボックス 60">
+            <a:extLst>
+              <a:ext uri="{FF2B5EF4-FFF2-40B4-BE49-F238E27FC236}">
+                <a16:creationId xmlns:a16="http://schemas.microsoft.com/office/drawing/2014/main" id="{45E2F8CD-ABD5-45BD-AFCC-C5089CB36305}"/>
+              </a:ext>
+            </a:extLst>
+          </p:cNvPr>
+          <p:cNvSpPr txBox="1"/>
+          <p:nvPr/>
+        </p:nvSpPr>
+        <p:spPr>
+          <a:xfrm>
+            <a:off x="5756920" y="2843644"/>
+            <a:ext cx="691215" cy="369332"/>
+          </a:xfrm>
+          <a:prstGeom prst="rect">
+            <a:avLst/>
+          </a:prstGeom>
+          <a:noFill/>
+        </p:spPr>
+        <p:txBody>
+          <a:bodyPr wrap="none" rtlCol="0">
+            <a:spAutoFit/>
+          </a:bodyPr>
+          <a:lstStyle/>
+          <a:p>
+            <a:r>
+              <a:rPr kumimoji="1" lang="en-US" altLang="ja-JP">
+                <a:latin typeface="Consolas" panose="020B0609020204030204" pitchFamily="49" charset="0"/>
+              </a:rPr>
+              <a:t>refs</a:t>
+            </a:r>
+            <a:endParaRPr kumimoji="1" lang="ja-JP" altLang="en-US" dirty="0">
+              <a:latin typeface="Consolas" panose="020B0609020204030204" pitchFamily="49" charset="0"/>
+            </a:endParaRPr>
+          </a:p>
+        </p:txBody>
+      </p:sp>
+      <p:sp>
+        <p:nvSpPr>
+          <p:cNvPr id="62" name="正方形/長方形 61">
+            <a:extLst>
+              <a:ext uri="{FF2B5EF4-FFF2-40B4-BE49-F238E27FC236}">
+                <a16:creationId xmlns:a16="http://schemas.microsoft.com/office/drawing/2014/main" id="{9C045007-1A08-49FB-913E-7F949BC3560B}"/>
+              </a:ext>
+            </a:extLst>
+          </p:cNvPr>
+          <p:cNvSpPr/>
+          <p:nvPr/>
+        </p:nvSpPr>
+        <p:spPr>
+          <a:xfrm>
+            <a:off x="323528" y="1495058"/>
+            <a:ext cx="1224136" cy="461665"/>
+          </a:xfrm>
+          <a:prstGeom prst="rect">
+            <a:avLst/>
+          </a:prstGeom>
+          <a:ln>
+            <a:solidFill>
+              <a:schemeClr val="tx1"/>
+            </a:solidFill>
+          </a:ln>
+        </p:spPr>
+        <p:txBody>
+          <a:bodyPr wrap="square" rtlCol="0" anchor="ctr">
+            <a:spAutoFit/>
+          </a:bodyPr>
+          <a:lstStyle/>
+          <a:p>
+            <a:pPr algn="ctr"/>
+            <a:r>
+              <a:rPr kumimoji="1" lang="en-US" altLang="ja-JP" sz="2400"/>
+              <a:t>HEAD</a:t>
+            </a:r>
+            <a:endParaRPr kumimoji="1" lang="ja-JP" altLang="en-US" sz="2400" dirty="0"/>
+          </a:p>
+        </p:txBody>
+      </p:sp>
+      <p:cxnSp>
+        <p:nvCxnSpPr>
+          <p:cNvPr id="63" name="直線矢印コネクタ 62">
+            <a:extLst>
+              <a:ext uri="{FF2B5EF4-FFF2-40B4-BE49-F238E27FC236}">
+                <a16:creationId xmlns:a16="http://schemas.microsoft.com/office/drawing/2014/main" id="{F3F8E94E-939B-42F8-923A-D2038BC4D207}"/>
+              </a:ext>
+            </a:extLst>
+          </p:cNvPr>
+          <p:cNvCxnSpPr>
+            <a:stCxn id="62" idx="3"/>
+            <a:endCxn id="54" idx="2"/>
+          </p:cNvCxnSpPr>
+          <p:nvPr/>
+        </p:nvCxnSpPr>
+        <p:spPr>
+          <a:xfrm>
+            <a:off x="1547664" y="1725891"/>
+            <a:ext cx="360040" cy="888"/>
+          </a:xfrm>
+          <a:prstGeom prst="straightConnector1">
+            <a:avLst/>
+          </a:prstGeom>
+          <a:ln w="9525">
+            <a:solidFill>
+              <a:schemeClr val="tx1"/>
+            </a:solidFill>
+            <a:headEnd type="none"/>
+            <a:tailEnd type="triangle"/>
+          </a:ln>
+          <a:effectLst/>
+        </p:spPr>
+        <p:style>
+          <a:lnRef idx="2">
+            <a:schemeClr val="accent1"/>
+          </a:lnRef>
+          <a:fillRef idx="0">
+            <a:schemeClr val="accent1"/>
+          </a:fillRef>
+          <a:effectRef idx="1">
+            <a:schemeClr val="accent1"/>
+          </a:effectRef>
+          <a:fontRef idx="minor">
+            <a:schemeClr val="tx1"/>
+          </a:fontRef>
+        </p:style>
+      </p:cxnSp>
+      <p:pic>
+        <p:nvPicPr>
+          <p:cNvPr id="64" name="Picture 2" descr="フォルダのイラスト">
+            <a:extLst>
+              <a:ext uri="{FF2B5EF4-FFF2-40B4-BE49-F238E27FC236}">
+                <a16:creationId xmlns:a16="http://schemas.microsoft.com/office/drawing/2014/main" id="{2B72371D-B9E0-4AE5-8F61-0C761D27CE0B}"/>
+              </a:ext>
+            </a:extLst>
+          </p:cNvPr>
+          <p:cNvPicPr>
+            <a:picLocks noChangeAspect="1" noChangeArrowheads="1"/>
+          </p:cNvPicPr>
+          <p:nvPr/>
+        </p:nvPicPr>
+        <p:blipFill>
+          <a:blip r:embed="rId2">
+            <a:extLst>
+              <a:ext uri="{28A0092B-C50C-407E-A947-70E740481C1C}">
+                <a14:useLocalDpi xmlns:a14="http://schemas.microsoft.com/office/drawing/2010/main" val="0"/>
+              </a:ext>
+            </a:extLst>
+          </a:blip>
+          <a:srcRect/>
+          <a:stretch>
+            <a:fillRect/>
+          </a:stretch>
+        </p:blipFill>
+        <p:spPr bwMode="auto">
+          <a:xfrm>
+            <a:off x="6876256" y="2348880"/>
+            <a:ext cx="680864" cy="570224"/>
+          </a:xfrm>
+          <a:prstGeom prst="rect">
+            <a:avLst/>
+          </a:prstGeom>
+          <a:noFill/>
+          <a:extLst>
+            <a:ext uri="{909E8E84-426E-40DD-AFC4-6F175D3DCCD1}">
+              <a14:hiddenFill xmlns:a14="http://schemas.microsoft.com/office/drawing/2010/main">
+                <a:solidFill>
+                  <a:srgbClr val="FFFFFF"/>
+                </a:solidFill>
+              </a14:hiddenFill>
+            </a:ext>
+          </a:extLst>
+        </p:spPr>
+      </p:pic>
+      <p:sp>
+        <p:nvSpPr>
+          <p:cNvPr id="65" name="テキスト ボックス 64">
+            <a:extLst>
+              <a:ext uri="{FF2B5EF4-FFF2-40B4-BE49-F238E27FC236}">
+                <a16:creationId xmlns:a16="http://schemas.microsoft.com/office/drawing/2014/main" id="{CE231EE7-C8C6-4289-AE24-FE7C85FCEA38}"/>
+              </a:ext>
+            </a:extLst>
+          </p:cNvPr>
+          <p:cNvSpPr txBox="1"/>
+          <p:nvPr/>
+        </p:nvSpPr>
+        <p:spPr>
+          <a:xfrm>
+            <a:off x="6837040" y="2843644"/>
+            <a:ext cx="817853" cy="369332"/>
+          </a:xfrm>
+          <a:prstGeom prst="rect">
+            <a:avLst/>
+          </a:prstGeom>
+          <a:noFill/>
+        </p:spPr>
+        <p:txBody>
+          <a:bodyPr wrap="none" rtlCol="0">
+            <a:spAutoFit/>
+          </a:bodyPr>
+          <a:lstStyle/>
+          <a:p>
+            <a:r>
+              <a:rPr kumimoji="1" lang="en-US" altLang="ja-JP">
+                <a:latin typeface="Consolas" panose="020B0609020204030204" pitchFamily="49" charset="0"/>
+              </a:rPr>
+              <a:t>heads</a:t>
+            </a:r>
+            <a:endParaRPr kumimoji="1" lang="ja-JP" altLang="en-US" dirty="0">
+              <a:latin typeface="Consolas" panose="020B0609020204030204" pitchFamily="49" charset="0"/>
+            </a:endParaRPr>
+          </a:p>
+        </p:txBody>
+      </p:sp>
+      <p:cxnSp>
+        <p:nvCxnSpPr>
+          <p:cNvPr id="66" name="直線コネクタ 65">
+            <a:extLst>
+              <a:ext uri="{FF2B5EF4-FFF2-40B4-BE49-F238E27FC236}">
+                <a16:creationId xmlns:a16="http://schemas.microsoft.com/office/drawing/2014/main" id="{0867AA40-9A92-4976-956A-43CB4BCF1837}"/>
+              </a:ext>
+            </a:extLst>
+          </p:cNvPr>
+          <p:cNvCxnSpPr>
+            <a:stCxn id="64" idx="1"/>
+            <a:endCxn id="59" idx="3"/>
+          </p:cNvCxnSpPr>
+          <p:nvPr/>
+        </p:nvCxnSpPr>
+        <p:spPr>
+          <a:xfrm flipH="1">
+            <a:off x="6437784" y="2633992"/>
+            <a:ext cx="438472" cy="0"/>
+          </a:xfrm>
+          <a:prstGeom prst="line">
+            <a:avLst/>
+          </a:prstGeom>
+          <a:ln w="9525">
+            <a:solidFill>
+              <a:schemeClr val="tx1"/>
+            </a:solidFill>
+            <a:headEnd type="none"/>
+            <a:tailEnd type="none"/>
+          </a:ln>
+          <a:effectLst/>
+        </p:spPr>
+        <p:style>
+          <a:lnRef idx="2">
+            <a:schemeClr val="accent1"/>
+          </a:lnRef>
+          <a:fillRef idx="0">
+            <a:schemeClr val="accent1"/>
+          </a:fillRef>
+          <a:effectRef idx="1">
+            <a:schemeClr val="accent1"/>
+          </a:effectRef>
+          <a:fontRef idx="minor">
+            <a:schemeClr val="tx1"/>
+          </a:fontRef>
+        </p:style>
+      </p:cxnSp>
+      <p:pic>
+        <p:nvPicPr>
+          <p:cNvPr id="67" name="Picture 2" descr="ファイルアイコン（ブランク）">
+            <a:extLst>
+              <a:ext uri="{FF2B5EF4-FFF2-40B4-BE49-F238E27FC236}">
+                <a16:creationId xmlns:a16="http://schemas.microsoft.com/office/drawing/2014/main" id="{6C975482-FC06-4602-B5AC-E259B0E76A7C}"/>
+              </a:ext>
+            </a:extLst>
+          </p:cNvPr>
+          <p:cNvPicPr>
+            <a:picLocks noChangeAspect="1" noChangeArrowheads="1"/>
+          </p:cNvPicPr>
+          <p:nvPr/>
+        </p:nvPicPr>
+        <p:blipFill>
+          <a:blip r:embed="rId3">
+            <a:extLst>
+              <a:ext uri="{28A0092B-C50C-407E-A947-70E740481C1C}">
+                <a14:useLocalDpi xmlns:a14="http://schemas.microsoft.com/office/drawing/2010/main" val="0"/>
+              </a:ext>
+            </a:extLst>
+          </a:blip>
+          <a:srcRect/>
+          <a:stretch>
+            <a:fillRect/>
+          </a:stretch>
+        </p:blipFill>
+        <p:spPr bwMode="auto">
+          <a:xfrm>
+            <a:off x="8037068" y="2395215"/>
+            <a:ext cx="456156" cy="529729"/>
+          </a:xfrm>
+          <a:prstGeom prst="rect">
+            <a:avLst/>
+          </a:prstGeom>
+          <a:noFill/>
+          <a:extLst>
+            <a:ext uri="{909E8E84-426E-40DD-AFC4-6F175D3DCCD1}">
+              <a14:hiddenFill xmlns:a14="http://schemas.microsoft.com/office/drawing/2010/main">
+                <a:solidFill>
+                  <a:srgbClr val="FFFFFF"/>
+                </a:solidFill>
+              </a14:hiddenFill>
+            </a:ext>
+          </a:extLst>
+        </p:spPr>
+      </p:pic>
+      <p:sp>
+        <p:nvSpPr>
+          <p:cNvPr id="68" name="テキスト ボックス 67">
+            <a:extLst>
+              <a:ext uri="{FF2B5EF4-FFF2-40B4-BE49-F238E27FC236}">
+                <a16:creationId xmlns:a16="http://schemas.microsoft.com/office/drawing/2014/main" id="{CE1C27B6-23E5-4DF0-99F5-C41CD78B0521}"/>
+              </a:ext>
+            </a:extLst>
+          </p:cNvPr>
+          <p:cNvSpPr txBox="1"/>
+          <p:nvPr/>
+        </p:nvSpPr>
+        <p:spPr>
+          <a:xfrm>
+            <a:off x="7845152" y="2852936"/>
+            <a:ext cx="944489" cy="369332"/>
+          </a:xfrm>
+          <a:prstGeom prst="rect">
+            <a:avLst/>
+          </a:prstGeom>
+          <a:noFill/>
+        </p:spPr>
+        <p:txBody>
+          <a:bodyPr wrap="none" rtlCol="0">
+            <a:spAutoFit/>
+          </a:bodyPr>
+          <a:lstStyle/>
+          <a:p>
+            <a:r>
+              <a:rPr kumimoji="1" lang="en-US" altLang="ja-JP">
+                <a:latin typeface="Consolas" panose="020B0609020204030204" pitchFamily="49" charset="0"/>
+              </a:rPr>
+              <a:t>master</a:t>
+            </a:r>
+            <a:endParaRPr kumimoji="1" lang="ja-JP" altLang="en-US" dirty="0">
+              <a:latin typeface="Consolas" panose="020B0609020204030204" pitchFamily="49" charset="0"/>
+            </a:endParaRPr>
+          </a:p>
+        </p:txBody>
+      </p:sp>
+      <p:cxnSp>
+        <p:nvCxnSpPr>
+          <p:cNvPr id="69" name="直線コネクタ 68">
+            <a:extLst>
+              <a:ext uri="{FF2B5EF4-FFF2-40B4-BE49-F238E27FC236}">
+                <a16:creationId xmlns:a16="http://schemas.microsoft.com/office/drawing/2014/main" id="{660AE22E-4A0B-4E90-BC65-519149B06E15}"/>
+              </a:ext>
+            </a:extLst>
+          </p:cNvPr>
+          <p:cNvCxnSpPr/>
+          <p:nvPr/>
+        </p:nvCxnSpPr>
+        <p:spPr>
+          <a:xfrm flipH="1">
+            <a:off x="7557120" y="2636912"/>
+            <a:ext cx="438472" cy="0"/>
+          </a:xfrm>
+          <a:prstGeom prst="line">
+            <a:avLst/>
+          </a:prstGeom>
+          <a:ln w="9525">
+            <a:solidFill>
+              <a:schemeClr val="tx1"/>
+            </a:solidFill>
+            <a:headEnd type="none"/>
+            <a:tailEnd type="none"/>
+          </a:ln>
+          <a:effectLst/>
+        </p:spPr>
+        <p:style>
+          <a:lnRef idx="2">
+            <a:schemeClr val="accent1"/>
+          </a:lnRef>
+          <a:fillRef idx="0">
+            <a:schemeClr val="accent1"/>
+          </a:fillRef>
+          <a:effectRef idx="1">
+            <a:schemeClr val="accent1"/>
+          </a:effectRef>
+          <a:fontRef idx="minor">
+            <a:schemeClr val="tx1"/>
+          </a:fontRef>
+        </p:style>
+      </p:cxnSp>
+      <p:sp>
+        <p:nvSpPr>
+          <p:cNvPr id="70" name="テキスト ボックス 69">
+            <a:extLst>
+              <a:ext uri="{FF2B5EF4-FFF2-40B4-BE49-F238E27FC236}">
+                <a16:creationId xmlns:a16="http://schemas.microsoft.com/office/drawing/2014/main" id="{6A5AF7CE-36CC-4C5A-850B-7A5422476581}"/>
+              </a:ext>
+            </a:extLst>
+          </p:cNvPr>
+          <p:cNvSpPr txBox="1"/>
+          <p:nvPr/>
+        </p:nvSpPr>
+        <p:spPr>
+          <a:xfrm>
+            <a:off x="2843808" y="2492896"/>
+            <a:ext cx="1152128" cy="369332"/>
+          </a:xfrm>
+          <a:prstGeom prst="rect">
+            <a:avLst/>
+          </a:prstGeom>
+          <a:noFill/>
+        </p:spPr>
+        <p:txBody>
+          <a:bodyPr wrap="square">
+            <a:spAutoFit/>
+          </a:bodyPr>
+          <a:lstStyle/>
+          <a:p>
+            <a:r>
+              <a:rPr lang="ja-JP" altLang="en-US">
+                <a:latin typeface="Consolas" panose="020B0609020204030204" pitchFamily="49" charset="0"/>
+              </a:rPr>
+              <a:t>c950332</a:t>
+            </a:r>
+          </a:p>
+        </p:txBody>
+      </p:sp>
+      <p:sp>
+        <p:nvSpPr>
+          <p:cNvPr id="71" name="テキスト ボックス 70">
+            <a:extLst>
+              <a:ext uri="{FF2B5EF4-FFF2-40B4-BE49-F238E27FC236}">
+                <a16:creationId xmlns:a16="http://schemas.microsoft.com/office/drawing/2014/main" id="{D6139009-C7BB-4039-8062-9F717FD7C5DD}"/>
+              </a:ext>
+            </a:extLst>
+          </p:cNvPr>
+          <p:cNvSpPr txBox="1"/>
+          <p:nvPr/>
+        </p:nvSpPr>
+        <p:spPr>
+          <a:xfrm>
+            <a:off x="6372200" y="1484784"/>
+            <a:ext cx="2448272" cy="369332"/>
+          </a:xfrm>
+          <a:prstGeom prst="rect">
+            <a:avLst/>
+          </a:prstGeom>
+          <a:noFill/>
+        </p:spPr>
+        <p:txBody>
+          <a:bodyPr wrap="square">
+            <a:spAutoFit/>
+          </a:bodyPr>
+          <a:lstStyle/>
+          <a:p>
+            <a:r>
+              <a:rPr lang="en-US" altLang="ja-JP">
+                <a:latin typeface="Consolas" panose="020B0609020204030204" pitchFamily="49" charset="0"/>
+              </a:rPr>
+              <a:t>refs/heads/master</a:t>
+            </a:r>
+            <a:endParaRPr lang="ja-JP" altLang="en-US">
+              <a:latin typeface="Consolas" panose="020B0609020204030204" pitchFamily="49" charset="0"/>
+            </a:endParaRPr>
+          </a:p>
+        </p:txBody>
+      </p:sp>
+      <p:sp>
+        <p:nvSpPr>
+          <p:cNvPr id="72" name="テキスト ボックス 71">
+            <a:extLst>
+              <a:ext uri="{FF2B5EF4-FFF2-40B4-BE49-F238E27FC236}">
+                <a16:creationId xmlns:a16="http://schemas.microsoft.com/office/drawing/2014/main" id="{24B28944-2856-4798-B174-C8B860CEDC91}"/>
+              </a:ext>
+            </a:extLst>
+          </p:cNvPr>
+          <p:cNvSpPr txBox="1"/>
+          <p:nvPr/>
+        </p:nvSpPr>
+        <p:spPr>
+          <a:xfrm>
+            <a:off x="544195" y="692696"/>
+            <a:ext cx="1723549" cy="461665"/>
+          </a:xfrm>
+          <a:prstGeom prst="rect">
+            <a:avLst/>
+          </a:prstGeom>
+          <a:noFill/>
+        </p:spPr>
+        <p:txBody>
+          <a:bodyPr wrap="none" rtlCol="0">
+            <a:spAutoFit/>
+          </a:bodyPr>
+          <a:lstStyle/>
+          <a:p>
+            <a:r>
+              <a:rPr kumimoji="1" lang="ja-JP" altLang="en-US" sz="2400"/>
+              <a:t>通常の状態</a:t>
+            </a:r>
+            <a:endParaRPr kumimoji="1" lang="ja-JP" altLang="en-US" sz="2400" dirty="0"/>
+          </a:p>
+        </p:txBody>
+      </p:sp>
+      <p:sp>
+        <p:nvSpPr>
+          <p:cNvPr id="73" name="四角形: 角を丸くする 72">
+            <a:extLst>
+              <a:ext uri="{FF2B5EF4-FFF2-40B4-BE49-F238E27FC236}">
+                <a16:creationId xmlns:a16="http://schemas.microsoft.com/office/drawing/2014/main" id="{9064D0F3-1E22-4FAE-A3F1-1744BB4649DE}"/>
+              </a:ext>
+            </a:extLst>
+          </p:cNvPr>
+          <p:cNvSpPr/>
+          <p:nvPr/>
+        </p:nvSpPr>
+        <p:spPr>
+          <a:xfrm>
+            <a:off x="107504" y="1196752"/>
+            <a:ext cx="8856984" cy="2160240"/>
+          </a:xfrm>
+          <a:prstGeom prst="roundRect">
+            <a:avLst/>
+          </a:prstGeom>
+          <a:ln>
+            <a:solidFill>
+              <a:schemeClr val="tx1"/>
+            </a:solidFill>
+          </a:ln>
+        </p:spPr>
+        <p:txBody>
+          <a:bodyPr wrap="square" rtlCol="0" anchor="ctr">
+            <a:spAutoFit/>
+          </a:bodyPr>
+          <a:lstStyle/>
+          <a:p>
+            <a:pPr algn="ctr"/>
+            <a:endParaRPr kumimoji="1" lang="ja-JP" altLang="en-US" sz="2400" dirty="0"/>
+          </a:p>
+        </p:txBody>
+      </p:sp>
+      <p:sp>
+        <p:nvSpPr>
+          <p:cNvPr id="74" name="四角形: 角を丸くする 73">
+            <a:extLst>
+              <a:ext uri="{FF2B5EF4-FFF2-40B4-BE49-F238E27FC236}">
+                <a16:creationId xmlns:a16="http://schemas.microsoft.com/office/drawing/2014/main" id="{759E897C-D8BD-4BA4-9D46-BF2573C73470}"/>
+              </a:ext>
+            </a:extLst>
+          </p:cNvPr>
+          <p:cNvSpPr/>
+          <p:nvPr/>
+        </p:nvSpPr>
+        <p:spPr>
+          <a:xfrm>
+            <a:off x="179512" y="4005064"/>
+            <a:ext cx="8712968" cy="2664296"/>
+          </a:xfrm>
+          <a:prstGeom prst="roundRect">
+            <a:avLst/>
+          </a:prstGeom>
+          <a:ln>
+            <a:solidFill>
+              <a:schemeClr val="tx1"/>
+            </a:solidFill>
+          </a:ln>
+        </p:spPr>
+        <p:txBody>
+          <a:bodyPr wrap="square" rtlCol="0" anchor="ctr">
+            <a:spAutoFit/>
+          </a:bodyPr>
+          <a:lstStyle/>
+          <a:p>
+            <a:pPr algn="ctr"/>
+            <a:endParaRPr kumimoji="1" lang="ja-JP" altLang="en-US" sz="2400" dirty="0"/>
+          </a:p>
+        </p:txBody>
+      </p:sp>
+    </p:spTree>
+    <p:extLst>
+      <p:ext uri="{BB962C8B-B14F-4D97-AF65-F5344CB8AC3E}">
+        <p14:creationId xmlns:p14="http://schemas.microsoft.com/office/powerpoint/2010/main" val="3901839556"/>
       </p:ext>
     </p:extLst>
   </p:cSld>
